--- a/design/지역활력지수_탐색도구_디자인_20221124.pptx
+++ b/design/지역활력지수_탐색도구_디자인_20221124.pptx
@@ -105,6 +105,11 @@
       </a:defRPr>
     </a:lvl9pPr>
   </p:defaultTextStyle>
+  <p:extLst>
+    <p:ext uri="{EFAFB233-063F-42B5-8137-9DF3F51BA10A}">
+      <p15:sldGuideLst xmlns:p15="http://schemas.microsoft.com/office/powerpoint/2012/main"/>
+    </p:ext>
+  </p:extLst>
 </p:presentation>
 </file>
 
@@ -4020,6 +4025,138 @@
           </a:p>
         </p:txBody>
       </p:sp>
+      <p:sp>
+        <p:nvSpPr>
+          <p:cNvPr id="16" name="TextBox 15">
+            <a:extLst>
+              <a:ext uri="{FF2B5EF4-FFF2-40B4-BE49-F238E27FC236}">
+                <a16:creationId xmlns:a16="http://schemas.microsoft.com/office/drawing/2014/main" id="{7F46C4FC-0562-4CBA-B913-959EA699EFC9}"/>
+              </a:ext>
+            </a:extLst>
+          </p:cNvPr>
+          <p:cNvSpPr txBox="1"/>
+          <p:nvPr/>
+        </p:nvSpPr>
+        <p:spPr>
+          <a:xfrm>
+            <a:off x="7310943" y="3429000"/>
+            <a:ext cx="4902114" cy="307777"/>
+          </a:xfrm>
+          <a:prstGeom prst="rect">
+            <a:avLst/>
+          </a:prstGeom>
+          <a:noFill/>
+        </p:spPr>
+        <p:txBody>
+          <a:bodyPr wrap="square" rtlCol="0">
+            <a:spAutoFit/>
+          </a:bodyPr>
+          <a:lstStyle/>
+          <a:p>
+            <a:pPr>
+              <a:tabLst>
+                <a:tab pos="1346200" algn="l"/>
+              </a:tabLst>
+            </a:pPr>
+            <a:r>
+              <a:rPr lang="en-US" altLang="ko-KR" sz="1400" spc="-150" dirty="0">
+                <a:solidFill>
+                  <a:schemeClr val="bg1">
+                    <a:lumMod val="50000"/>
+                  </a:schemeClr>
+                </a:solidFill>
+                <a:latin typeface="KoPub돋움체 Bold" panose="00000800000000000000" pitchFamily="2" charset="-127"/>
+                <a:ea typeface="KoPub돋움체 Bold" panose="00000800000000000000" pitchFamily="2" charset="-127"/>
+              </a:rPr>
+              <a:t>+ </a:t>
+            </a:r>
+            <a:r>
+              <a:rPr lang="ko-KR" altLang="en-US" sz="1400" spc="-150" dirty="0">
+                <a:solidFill>
+                  <a:schemeClr val="bg1">
+                    <a:lumMod val="50000"/>
+                  </a:schemeClr>
+                </a:solidFill>
+                <a:latin typeface="KoPub돋움체 Bold" panose="00000800000000000000" pitchFamily="2" charset="-127"/>
+                <a:ea typeface="KoPub돋움체 Bold" panose="00000800000000000000" pitchFamily="2" charset="-127"/>
+              </a:rPr>
+              <a:t>탭 구분을 통한 다른 지수 </a:t>
+            </a:r>
+            <a:r>
+              <a:rPr lang="en-US" altLang="ko-KR" sz="1400" spc="-150" dirty="0">
+                <a:solidFill>
+                  <a:schemeClr val="bg1">
+                    <a:lumMod val="50000"/>
+                  </a:schemeClr>
+                </a:solidFill>
+                <a:latin typeface="KoPub돋움체 Bold" panose="00000800000000000000" pitchFamily="2" charset="-127"/>
+                <a:ea typeface="KoPub돋움체 Bold" panose="00000800000000000000" pitchFamily="2" charset="-127"/>
+              </a:rPr>
+              <a:t>(</a:t>
+            </a:r>
+            <a:r>
+              <a:rPr lang="ko-KR" altLang="en-US" sz="1400" spc="-150" dirty="0">
+                <a:solidFill>
+                  <a:schemeClr val="bg1">
+                    <a:lumMod val="50000"/>
+                  </a:schemeClr>
+                </a:solidFill>
+                <a:latin typeface="KoPub돋움체 Bold" panose="00000800000000000000" pitchFamily="2" charset="-127"/>
+                <a:ea typeface="KoPub돋움체 Bold" panose="00000800000000000000" pitchFamily="2" charset="-127"/>
+              </a:rPr>
+              <a:t>다양성</a:t>
+            </a:r>
+            <a:r>
+              <a:rPr lang="en-US" altLang="ko-KR" sz="1400" spc="-150" dirty="0">
+                <a:solidFill>
+                  <a:schemeClr val="bg1">
+                    <a:lumMod val="50000"/>
+                  </a:schemeClr>
+                </a:solidFill>
+                <a:latin typeface="KoPub돋움체 Bold" panose="00000800000000000000" pitchFamily="2" charset="-127"/>
+                <a:ea typeface="KoPub돋움체 Bold" panose="00000800000000000000" pitchFamily="2" charset="-127"/>
+              </a:rPr>
+              <a:t>, </a:t>
+            </a:r>
+            <a:r>
+              <a:rPr lang="ko-KR" altLang="en-US" sz="1400" spc="-150" dirty="0">
+                <a:solidFill>
+                  <a:schemeClr val="bg1">
+                    <a:lumMod val="50000"/>
+                  </a:schemeClr>
+                </a:solidFill>
+                <a:latin typeface="KoPub돋움체 Bold" panose="00000800000000000000" pitchFamily="2" charset="-127"/>
+                <a:ea typeface="KoPub돋움체 Bold" panose="00000800000000000000" pitchFamily="2" charset="-127"/>
+              </a:rPr>
+              <a:t>지속성 등</a:t>
+            </a:r>
+            <a:r>
+              <a:rPr lang="en-US" altLang="ko-KR" sz="1400" spc="-150" dirty="0">
+                <a:solidFill>
+                  <a:schemeClr val="bg1">
+                    <a:lumMod val="50000"/>
+                  </a:schemeClr>
+                </a:solidFill>
+                <a:latin typeface="KoPub돋움체 Bold" panose="00000800000000000000" pitchFamily="2" charset="-127"/>
+                <a:ea typeface="KoPub돋움체 Bold" panose="00000800000000000000" pitchFamily="2" charset="-127"/>
+              </a:rPr>
+              <a:t>) </a:t>
+            </a:r>
+            <a:r>
+              <a:rPr lang="ko-KR" altLang="en-US" sz="1400" spc="-150" dirty="0">
+                <a:solidFill>
+                  <a:schemeClr val="bg1">
+                    <a:lumMod val="50000"/>
+                  </a:schemeClr>
+                </a:solidFill>
+                <a:latin typeface="KoPub돋움체 Bold" panose="00000800000000000000" pitchFamily="2" charset="-127"/>
+                <a:ea typeface="KoPub돋움체 Bold" panose="00000800000000000000" pitchFamily="2" charset="-127"/>
+              </a:rPr>
+              <a:t>자료검색 및 다운로드 추가예정</a:t>
+            </a:r>
+          </a:p>
+        </p:txBody>
+      </p:sp>
     </p:spTree>
     <p:extLst>
       <p:ext uri="{BB962C8B-B14F-4D97-AF65-F5344CB8AC3E}">
